--- a/Figures/Powerpoints/Donor cells and transfer setup.pptx
+++ b/Figures/Powerpoints/Donor cells and transfer setup.pptx
@@ -258,7 +258,7 @@
           <a:p>
             <a:fld id="{5CF75A66-C594-42A9-AFE2-5E2BA638C665}" type="datetimeFigureOut">
               <a:rPr lang="en-GB" smtClean="0"/>
-              <a:t>23/08/2015</a:t>
+              <a:t>05/09/2015</a:t>
             </a:fld>
             <a:endParaRPr lang="en-GB"/>
           </a:p>
@@ -428,7 +428,7 @@
           <a:p>
             <a:fld id="{5CF75A66-C594-42A9-AFE2-5E2BA638C665}" type="datetimeFigureOut">
               <a:rPr lang="en-GB" smtClean="0"/>
-              <a:t>23/08/2015</a:t>
+              <a:t>05/09/2015</a:t>
             </a:fld>
             <a:endParaRPr lang="en-GB"/>
           </a:p>
@@ -608,7 +608,7 @@
           <a:p>
             <a:fld id="{5CF75A66-C594-42A9-AFE2-5E2BA638C665}" type="datetimeFigureOut">
               <a:rPr lang="en-GB" smtClean="0"/>
-              <a:t>23/08/2015</a:t>
+              <a:t>05/09/2015</a:t>
             </a:fld>
             <a:endParaRPr lang="en-GB"/>
           </a:p>
@@ -778,7 +778,7 @@
           <a:p>
             <a:fld id="{5CF75A66-C594-42A9-AFE2-5E2BA638C665}" type="datetimeFigureOut">
               <a:rPr lang="en-GB" smtClean="0"/>
-              <a:t>23/08/2015</a:t>
+              <a:t>05/09/2015</a:t>
             </a:fld>
             <a:endParaRPr lang="en-GB"/>
           </a:p>
@@ -1022,7 +1022,7 @@
           <a:p>
             <a:fld id="{5CF75A66-C594-42A9-AFE2-5E2BA638C665}" type="datetimeFigureOut">
               <a:rPr lang="en-GB" smtClean="0"/>
-              <a:t>23/08/2015</a:t>
+              <a:t>05/09/2015</a:t>
             </a:fld>
             <a:endParaRPr lang="en-GB"/>
           </a:p>
@@ -1254,7 +1254,7 @@
           <a:p>
             <a:fld id="{5CF75A66-C594-42A9-AFE2-5E2BA638C665}" type="datetimeFigureOut">
               <a:rPr lang="en-GB" smtClean="0"/>
-              <a:t>23/08/2015</a:t>
+              <a:t>05/09/2015</a:t>
             </a:fld>
             <a:endParaRPr lang="en-GB"/>
           </a:p>
@@ -1621,7 +1621,7 @@
           <a:p>
             <a:fld id="{5CF75A66-C594-42A9-AFE2-5E2BA638C665}" type="datetimeFigureOut">
               <a:rPr lang="en-GB" smtClean="0"/>
-              <a:t>23/08/2015</a:t>
+              <a:t>05/09/2015</a:t>
             </a:fld>
             <a:endParaRPr lang="en-GB"/>
           </a:p>
@@ -1739,7 +1739,7 @@
           <a:p>
             <a:fld id="{5CF75A66-C594-42A9-AFE2-5E2BA638C665}" type="datetimeFigureOut">
               <a:rPr lang="en-GB" smtClean="0"/>
-              <a:t>23/08/2015</a:t>
+              <a:t>05/09/2015</a:t>
             </a:fld>
             <a:endParaRPr lang="en-GB"/>
           </a:p>
@@ -1834,7 +1834,7 @@
           <a:p>
             <a:fld id="{5CF75A66-C594-42A9-AFE2-5E2BA638C665}" type="datetimeFigureOut">
               <a:rPr lang="en-GB" smtClean="0"/>
-              <a:t>23/08/2015</a:t>
+              <a:t>05/09/2015</a:t>
             </a:fld>
             <a:endParaRPr lang="en-GB"/>
           </a:p>
@@ -2111,7 +2111,7 @@
           <a:p>
             <a:fld id="{5CF75A66-C594-42A9-AFE2-5E2BA638C665}" type="datetimeFigureOut">
               <a:rPr lang="en-GB" smtClean="0"/>
-              <a:t>23/08/2015</a:t>
+              <a:t>05/09/2015</a:t>
             </a:fld>
             <a:endParaRPr lang="en-GB"/>
           </a:p>
@@ -2368,7 +2368,7 @@
           <a:p>
             <a:fld id="{5CF75A66-C594-42A9-AFE2-5E2BA638C665}" type="datetimeFigureOut">
               <a:rPr lang="en-GB" smtClean="0"/>
-              <a:t>23/08/2015</a:t>
+              <a:t>05/09/2015</a:t>
             </a:fld>
             <a:endParaRPr lang="en-GB"/>
           </a:p>
@@ -2581,7 +2581,7 @@
           <a:p>
             <a:fld id="{5CF75A66-C594-42A9-AFE2-5E2BA638C665}" type="datetimeFigureOut">
               <a:rPr lang="en-GB" smtClean="0"/>
-              <a:t>23/08/2015</a:t>
+              <a:t>05/09/2015</a:t>
             </a:fld>
             <a:endParaRPr lang="en-GB"/>
           </a:p>
@@ -3140,7 +3140,6 @@
               <a:rPr lang="en-GB" dirty="0"/>
               <a:t>Mice</a:t>
             </a:r>
-            <a:endParaRPr lang="en-GB" dirty="0"/>
           </a:p>
         </p:txBody>
       </p:sp>
@@ -3207,7 +3206,6 @@
               <a:rPr lang="en-GB" dirty="0"/>
               <a:t> taken</a:t>
             </a:r>
-            <a:endParaRPr lang="en-GB" dirty="0"/>
           </a:p>
         </p:txBody>
       </p:sp>
@@ -3276,11 +3274,6 @@
               </a:rPr>
               <a:t>CD19+ Fraction</a:t>
             </a:r>
-            <a:endParaRPr lang="en-GB" dirty="0">
-              <a:solidFill>
-                <a:srgbClr val="FF0000"/>
-              </a:solidFill>
-            </a:endParaRPr>
           </a:p>
         </p:txBody>
       </p:sp>
@@ -3314,11 +3307,6 @@
               </a:rPr>
               <a:t>CD19- Fraction</a:t>
             </a:r>
-            <a:endParaRPr lang="en-GB" dirty="0">
-              <a:solidFill>
-                <a:srgbClr val="7030A0"/>
-              </a:solidFill>
-            </a:endParaRPr>
           </a:p>
         </p:txBody>
       </p:sp>
@@ -3921,7 +3909,6 @@
               <a:rPr lang="en-GB" dirty="0"/>
               <a:t>Mice</a:t>
             </a:r>
-            <a:endParaRPr lang="en-GB" dirty="0"/>
           </a:p>
         </p:txBody>
       </p:sp>
@@ -4041,7 +4028,6 @@
               <a:rPr lang="en-GB" dirty="0"/>
               <a:t>Mice</a:t>
             </a:r>
-            <a:endParaRPr lang="en-GB" dirty="0"/>
           </a:p>
         </p:txBody>
       </p:sp>
@@ -4108,7 +4094,6 @@
               <a:rPr lang="en-GB" dirty="0"/>
               <a:t> taken</a:t>
             </a:r>
-            <a:endParaRPr lang="en-GB" dirty="0"/>
           </a:p>
         </p:txBody>
       </p:sp>
@@ -4177,11 +4162,6 @@
               </a:rPr>
               <a:t>CD19+ Fraction</a:t>
             </a:r>
-            <a:endParaRPr lang="en-GB" dirty="0">
-              <a:solidFill>
-                <a:srgbClr val="FF0000"/>
-              </a:solidFill>
-            </a:endParaRPr>
           </a:p>
         </p:txBody>
       </p:sp>
@@ -4215,11 +4195,6 @@
               </a:rPr>
               <a:t>CD19- Fraction</a:t>
             </a:r>
-            <a:endParaRPr lang="en-GB" dirty="0">
-              <a:solidFill>
-                <a:srgbClr val="7030A0"/>
-              </a:solidFill>
-            </a:endParaRPr>
           </a:p>
         </p:txBody>
       </p:sp>
@@ -4830,7 +4805,6 @@
               <a:rPr lang="en-GB" dirty="0"/>
               <a:t>Mice</a:t>
             </a:r>
-            <a:endParaRPr lang="en-GB" dirty="0"/>
           </a:p>
         </p:txBody>
       </p:sp>
@@ -5159,7 +5133,7 @@
           <p:nvPr>
             <p:extLst>
               <p:ext uri="{D42A27DB-BD31-4B8C-83A1-F6EECF244321}">
-                <p14:modId xmlns:p14="http://schemas.microsoft.com/office/powerpoint/2010/main" val="871719301"/>
+                <p14:modId xmlns:p14="http://schemas.microsoft.com/office/powerpoint/2010/main" val="4240607636"/>
               </p:ext>
             </p:extLst>
           </p:nvPr>
@@ -5286,7 +5260,7 @@
                     <a:p>
                       <a:r>
                         <a:rPr lang="en-GB" dirty="0" smtClean="0"/>
-                        <a:t>4.78</a:t>
+                        <a:t>4.64</a:t>
                       </a:r>
                       <a:endParaRPr lang="en-GB" dirty="0"/>
                     </a:p>
@@ -5300,7 +5274,7 @@
                     <a:p>
                       <a:r>
                         <a:rPr lang="en-GB" dirty="0" smtClean="0"/>
-                        <a:t>191679</a:t>
+                        <a:t>186065</a:t>
                       </a:r>
                       <a:endParaRPr lang="en-GB" dirty="0"/>
                     </a:p>

--- a/Figures/Powerpoints/Donor cells and transfer setup.pptx
+++ b/Figures/Powerpoints/Donor cells and transfer setup.pptx
@@ -258,7 +258,7 @@
           <a:p>
             <a:fld id="{5CF75A66-C594-42A9-AFE2-5E2BA638C665}" type="datetimeFigureOut">
               <a:rPr lang="en-GB" smtClean="0"/>
-              <a:t>05/09/2015</a:t>
+              <a:t>24/09/2015</a:t>
             </a:fld>
             <a:endParaRPr lang="en-GB"/>
           </a:p>
@@ -428,7 +428,7 @@
           <a:p>
             <a:fld id="{5CF75A66-C594-42A9-AFE2-5E2BA638C665}" type="datetimeFigureOut">
               <a:rPr lang="en-GB" smtClean="0"/>
-              <a:t>05/09/2015</a:t>
+              <a:t>24/09/2015</a:t>
             </a:fld>
             <a:endParaRPr lang="en-GB"/>
           </a:p>
@@ -608,7 +608,7 @@
           <a:p>
             <a:fld id="{5CF75A66-C594-42A9-AFE2-5E2BA638C665}" type="datetimeFigureOut">
               <a:rPr lang="en-GB" smtClean="0"/>
-              <a:t>05/09/2015</a:t>
+              <a:t>24/09/2015</a:t>
             </a:fld>
             <a:endParaRPr lang="en-GB"/>
           </a:p>
@@ -778,7 +778,7 @@
           <a:p>
             <a:fld id="{5CF75A66-C594-42A9-AFE2-5E2BA638C665}" type="datetimeFigureOut">
               <a:rPr lang="en-GB" smtClean="0"/>
-              <a:t>05/09/2015</a:t>
+              <a:t>24/09/2015</a:t>
             </a:fld>
             <a:endParaRPr lang="en-GB"/>
           </a:p>
@@ -1022,7 +1022,7 @@
           <a:p>
             <a:fld id="{5CF75A66-C594-42A9-AFE2-5E2BA638C665}" type="datetimeFigureOut">
               <a:rPr lang="en-GB" smtClean="0"/>
-              <a:t>05/09/2015</a:t>
+              <a:t>24/09/2015</a:t>
             </a:fld>
             <a:endParaRPr lang="en-GB"/>
           </a:p>
@@ -1254,7 +1254,7 @@
           <a:p>
             <a:fld id="{5CF75A66-C594-42A9-AFE2-5E2BA638C665}" type="datetimeFigureOut">
               <a:rPr lang="en-GB" smtClean="0"/>
-              <a:t>05/09/2015</a:t>
+              <a:t>24/09/2015</a:t>
             </a:fld>
             <a:endParaRPr lang="en-GB"/>
           </a:p>
@@ -1621,7 +1621,7 @@
           <a:p>
             <a:fld id="{5CF75A66-C594-42A9-AFE2-5E2BA638C665}" type="datetimeFigureOut">
               <a:rPr lang="en-GB" smtClean="0"/>
-              <a:t>05/09/2015</a:t>
+              <a:t>24/09/2015</a:t>
             </a:fld>
             <a:endParaRPr lang="en-GB"/>
           </a:p>
@@ -1739,7 +1739,7 @@
           <a:p>
             <a:fld id="{5CF75A66-C594-42A9-AFE2-5E2BA638C665}" type="datetimeFigureOut">
               <a:rPr lang="en-GB" smtClean="0"/>
-              <a:t>05/09/2015</a:t>
+              <a:t>24/09/2015</a:t>
             </a:fld>
             <a:endParaRPr lang="en-GB"/>
           </a:p>
@@ -1834,7 +1834,7 @@
           <a:p>
             <a:fld id="{5CF75A66-C594-42A9-AFE2-5E2BA638C665}" type="datetimeFigureOut">
               <a:rPr lang="en-GB" smtClean="0"/>
-              <a:t>05/09/2015</a:t>
+              <a:t>24/09/2015</a:t>
             </a:fld>
             <a:endParaRPr lang="en-GB"/>
           </a:p>
@@ -2111,7 +2111,7 @@
           <a:p>
             <a:fld id="{5CF75A66-C594-42A9-AFE2-5E2BA638C665}" type="datetimeFigureOut">
               <a:rPr lang="en-GB" smtClean="0"/>
-              <a:t>05/09/2015</a:t>
+              <a:t>24/09/2015</a:t>
             </a:fld>
             <a:endParaRPr lang="en-GB"/>
           </a:p>
@@ -2368,7 +2368,7 @@
           <a:p>
             <a:fld id="{5CF75A66-C594-42A9-AFE2-5E2BA638C665}" type="datetimeFigureOut">
               <a:rPr lang="en-GB" smtClean="0"/>
-              <a:t>05/09/2015</a:t>
+              <a:t>24/09/2015</a:t>
             </a:fld>
             <a:endParaRPr lang="en-GB"/>
           </a:p>
@@ -2581,7 +2581,7 @@
           <a:p>
             <a:fld id="{5CF75A66-C594-42A9-AFE2-5E2BA638C665}" type="datetimeFigureOut">
               <a:rPr lang="en-GB" smtClean="0"/>
-              <a:t>05/09/2015</a:t>
+              <a:t>24/09/2015</a:t>
             </a:fld>
             <a:endParaRPr lang="en-GB"/>
           </a:p>
